--- a/test_presentation.pptx
+++ b/test_presentation.pptx
@@ -883,7 +883,7 @@
         </p:nvSpPr>
         <p:spPr>
           <a:xfrm>
-            <a:off x="5212080" y="1002983"/>
+            <a:off x="468630" y="308610"/>
             <a:ext cx="6858000" cy="0"/>
           </a:xfrm>
           <a:prstGeom prst="rect">
@@ -916,7 +916,7 @@
       </p:sp>
       <p:pic>
         <p:nvPicPr>
-          <p:cNvPr id="3" name="Image 0" descr="https://ik.imagekit.io/jveduNBx7CU/img_p0_2_6TBR_VKOB.png">    </p:cNvPr>
+          <p:cNvPr id="3" name="Image 0" descr="https://ik.imagekit.io/jveduNBx7CU/img_p1_1_fyo81j8cX.png">    </p:cNvPr>
           <p:cNvPicPr>
             <a:picLocks noChangeAspect="1"/>
           </p:cNvPicPr>
@@ -930,7 +930,31 @@
         </p:blipFill>
         <p:spPr>
           <a:xfrm>
-            <a:off x="1120140" y="3176111"/>
+            <a:off x="720090" y="2330806"/>
+            <a:ext cx="914400" cy="914400"/>
+          </a:xfrm>
+          <a:prstGeom prst="rect">
+            <a:avLst/>
+          </a:prstGeom>
+        </p:spPr>
+      </p:pic>
+      <p:pic>
+        <p:nvPicPr>
+          <p:cNvPr id="4" name="Image 1" descr="https://ik.imagekit.io/jveduNBx7CU/img_p0_2_aoLeGRwDH.png">    </p:cNvPr>
+          <p:cNvPicPr>
+            <a:picLocks noChangeAspect="1"/>
+          </p:cNvPicPr>
+          <p:nvPr/>
+        </p:nvPicPr>
+        <p:blipFill>
+          <a:blip r:embed="rId2"/>
+          <a:stretch>
+            <a:fillRect/>
+          </a:stretch>
+        </p:blipFill>
+        <p:spPr>
+          <a:xfrm>
+            <a:off x="2297430" y="2751773"/>
             <a:ext cx="914400" cy="914400"/>
           </a:xfrm>
           <a:prstGeom prst="rect">
